--- a/prezentarechatapp.pptx
+++ b/prezentarechatapp.pptx
@@ -1210,7 +1210,7 @@
                 <a16:creationId xmlns:a16="http://schemas.microsoft.com/office/drawing/2014/main" id="{EA812700-4F7B-0919-A294-CC362E4BD2FF}"/>
               </a:ext>
               <a:ext uri="{C183D7F6-B498-43B3-948B-1728B52AA6E4}">
-                <adec:decorative xmlns:adec="http://schemas.microsoft.com/office/drawing/2017/decorative" xmlns="" val="1"/>
+                <adec:decorative xmlns="" xmlns:adec="http://schemas.microsoft.com/office/drawing/2017/decorative" val="1"/>
               </a:ext>
             </a:extLst>
           </p:cNvPr>
@@ -4166,7 +4166,7 @@
                 <a16:creationId xmlns:a16="http://schemas.microsoft.com/office/drawing/2014/main" id="{5BE0D1B6-1F1E-CCFB-6D36-DC3039C38FF5}"/>
               </a:ext>
               <a:ext uri="{C183D7F6-B498-43B3-948B-1728B52AA6E4}">
-                <adec:decorative xmlns:adec="http://schemas.microsoft.com/office/drawing/2017/decorative" xmlns="" val="1"/>
+                <adec:decorative xmlns="" xmlns:adec="http://schemas.microsoft.com/office/drawing/2017/decorative" val="1"/>
               </a:ext>
             </a:extLst>
           </p:cNvPr>
@@ -4285,7 +4285,7 @@
                 <a16:creationId xmlns:a16="http://schemas.microsoft.com/office/drawing/2014/main" id="{770F1688-BA83-03DC-2B74-7A82D939FA0B}"/>
               </a:ext>
               <a:ext uri="{C183D7F6-B498-43B3-948B-1728B52AA6E4}">
-                <adec:decorative xmlns:adec="http://schemas.microsoft.com/office/drawing/2017/decorative" xmlns="" val="1"/>
+                <adec:decorative xmlns="" xmlns:adec="http://schemas.microsoft.com/office/drawing/2017/decorative" val="1"/>
               </a:ext>
             </a:extLst>
           </p:cNvPr>
@@ -7015,7 +7015,7 @@
                 <a16:creationId xmlns:a16="http://schemas.microsoft.com/office/drawing/2014/main" id="{EBF8DFED-2B0F-8F5E-DBAA-98D765435F3E}"/>
               </a:ext>
               <a:ext uri="{C183D7F6-B498-43B3-948B-1728B52AA6E4}">
-                <adec:decorative xmlns:adec="http://schemas.microsoft.com/office/drawing/2017/decorative" xmlns="" val="1"/>
+                <adec:decorative xmlns="" xmlns:adec="http://schemas.microsoft.com/office/drawing/2017/decorative" val="1"/>
               </a:ext>
             </a:extLst>
           </p:cNvPr>
@@ -11849,7 +11849,7 @@
                 <a16:creationId xmlns:a16="http://schemas.microsoft.com/office/drawing/2014/main" id="{CB329B88-C3B0-DEDF-BA89-4FECA7E20FC3}"/>
               </a:ext>
               <a:ext uri="{C183D7F6-B498-43B3-948B-1728B52AA6E4}">
-                <adec:decorative xmlns:adec="http://schemas.microsoft.com/office/drawing/2017/decorative" xmlns="" val="1"/>
+                <adec:decorative xmlns="" xmlns:adec="http://schemas.microsoft.com/office/drawing/2017/decorative" val="1"/>
               </a:ext>
             </a:extLst>
           </p:cNvPr>
@@ -11935,7 +11935,7 @@
                     <a16:creationId xmlns:a16="http://schemas.microsoft.com/office/drawing/2014/main" id="{36663161-DCA7-1B0A-C207-F09ADAB86FBC}"/>
                   </a:ext>
                   <a:ext uri="{C183D7F6-B498-43B3-948B-1728B52AA6E4}">
-                    <adec:decorative xmlns:adec="http://schemas.microsoft.com/office/drawing/2017/decorative" xmlns="" val="1"/>
+                    <adec:decorative xmlns="" xmlns:adec="http://schemas.microsoft.com/office/drawing/2017/decorative" val="1"/>
                   </a:ext>
                 </a:extLst>
               </p:cNvPr>
@@ -12752,7 +12752,7 @@
                 <a16:creationId xmlns:a16="http://schemas.microsoft.com/office/drawing/2014/main" id="{179551DA-AB5E-4A9C-38E9-26E265447B92}"/>
               </a:ext>
               <a:ext uri="{C183D7F6-B498-43B3-948B-1728B52AA6E4}">
-                <adec:decorative xmlns:adec="http://schemas.microsoft.com/office/drawing/2017/decorative" xmlns="" val="1"/>
+                <adec:decorative xmlns="" xmlns:adec="http://schemas.microsoft.com/office/drawing/2017/decorative" val="1"/>
               </a:ext>
             </a:extLst>
           </p:cNvPr>
@@ -13302,7 +13302,7 @@
                 <a16:creationId xmlns:a16="http://schemas.microsoft.com/office/drawing/2014/main" id="{AD0AA671-B458-75A5-FEDC-88210D8224F2}"/>
               </a:ext>
               <a:ext uri="{C183D7F6-B498-43B3-948B-1728B52AA6E4}">
-                <adec:decorative xmlns:adec="http://schemas.microsoft.com/office/drawing/2017/decorative" xmlns="" val="1"/>
+                <adec:decorative xmlns="" xmlns:adec="http://schemas.microsoft.com/office/drawing/2017/decorative" val="1"/>
               </a:ext>
             </a:extLst>
           </p:cNvPr>
@@ -14232,7 +14232,7 @@
                 <a16:creationId xmlns:a16="http://schemas.microsoft.com/office/drawing/2014/main" id="{A088FB69-6A93-1165-DBF9-B08593CF2D73}"/>
               </a:ext>
               <a:ext uri="{C183D7F6-B498-43B3-948B-1728B52AA6E4}">
-                <adec:decorative xmlns:adec="http://schemas.microsoft.com/office/drawing/2017/decorative" xmlns="" val="1"/>
+                <adec:decorative xmlns="" xmlns:adec="http://schemas.microsoft.com/office/drawing/2017/decorative" val="1"/>
               </a:ext>
             </a:extLst>
           </p:cNvPr>
@@ -15092,7 +15092,7 @@
                 <a16:creationId xmlns:a16="http://schemas.microsoft.com/office/drawing/2014/main" id="{06032EDE-70AC-8A1B-FDCC-E78CADAAE010}"/>
               </a:ext>
               <a:ext uri="{C183D7F6-B498-43B3-948B-1728B52AA6E4}">
-                <adec:decorative xmlns:adec="http://schemas.microsoft.com/office/drawing/2017/decorative" xmlns="" val="1"/>
+                <adec:decorative xmlns="" xmlns:adec="http://schemas.microsoft.com/office/drawing/2017/decorative" val="1"/>
               </a:ext>
             </a:extLst>
           </p:cNvPr>
@@ -15601,7 +15601,7 @@
                 <a16:creationId xmlns:a16="http://schemas.microsoft.com/office/drawing/2014/main" id="{524329E9-A968-FB95-104A-91844CBA17ED}"/>
               </a:ext>
               <a:ext uri="{C183D7F6-B498-43B3-948B-1728B52AA6E4}">
-                <adec:decorative xmlns:adec="http://schemas.microsoft.com/office/drawing/2017/decorative" xmlns="" val="1"/>
+                <adec:decorative xmlns="" xmlns:adec="http://schemas.microsoft.com/office/drawing/2017/decorative" val="1"/>
               </a:ext>
             </a:extLst>
           </p:cNvPr>
@@ -16669,7 +16669,7 @@
                 <a16:creationId xmlns:a16="http://schemas.microsoft.com/office/drawing/2014/main" id="{A088FB69-6A93-1165-DBF9-B08593CF2D73}"/>
               </a:ext>
               <a:ext uri="{C183D7F6-B498-43B3-948B-1728B52AA6E4}">
-                <adec:decorative xmlns:adec="http://schemas.microsoft.com/office/drawing/2017/decorative" xmlns="" val="1"/>
+                <adec:decorative xmlns="" xmlns:adec="http://schemas.microsoft.com/office/drawing/2017/decorative" val="1"/>
               </a:ext>
             </a:extLst>
           </p:cNvPr>
@@ -18282,7 +18282,7 @@
             </a:r>
             <a:r>
               <a:rPr lang="en-US" dirty="0" err="1" smtClean="0"/>
-              <a:t>folosing</a:t>
+              <a:t>folosit</a:t>
             </a:r>
             <a:r>
               <a:rPr lang="en-US" dirty="0" smtClean="0"/>
@@ -18370,7 +18370,7 @@
             </a:r>
             <a:r>
               <a:rPr lang="en-US" dirty="0" err="1" smtClean="0"/>
-              <a:t>folosing</a:t>
+              <a:t>folosit</a:t>
             </a:r>
             <a:r>
               <a:rPr lang="en-US" dirty="0" smtClean="0"/>
@@ -18714,7 +18714,6 @@
               <a:rPr lang="en-US" dirty="0"/>
               <a:t> in browser</a:t>
             </a:r>
-            <a:endParaRPr lang="en-US" dirty="0"/>
           </a:p>
         </p:txBody>
       </p:sp>
@@ -19275,11 +19274,7 @@
             </a:r>
             <a:r>
               <a:rPr lang="en-US" dirty="0" smtClean="0"/>
-              <a:t> </a:t>
-            </a:r>
-            <a:r>
-              <a:rPr lang="en-US" dirty="0" smtClean="0"/>
-              <a:t> </a:t>
+              <a:t>  </a:t>
             </a:r>
             <a:endParaRPr lang="en-US" dirty="0"/>
           </a:p>
@@ -19699,7 +19694,7 @@
                 <a16:creationId xmlns:a16="http://schemas.microsoft.com/office/drawing/2014/main" id="{5874C12F-8812-2096-8060-F088B62EDD65}"/>
               </a:ext>
               <a:ext uri="{C183D7F6-B498-43B3-948B-1728B52AA6E4}">
-                <adec:decorative xmlns:adec="http://schemas.microsoft.com/office/drawing/2017/decorative" xmlns="" val="1"/>
+                <adec:decorative xmlns="" xmlns:adec="http://schemas.microsoft.com/office/drawing/2017/decorative" val="1"/>
               </a:ext>
             </a:extLst>
           </p:cNvPr>
@@ -19749,7 +19744,7 @@
                 <a16:creationId xmlns:a16="http://schemas.microsoft.com/office/drawing/2014/main" id="{C05C0612-907D-A1B0-77EB-156D85AE11E6}"/>
               </a:ext>
               <a:ext uri="{C183D7F6-B498-43B3-948B-1728B52AA6E4}">
-                <adec:decorative xmlns:adec="http://schemas.microsoft.com/office/drawing/2017/decorative" xmlns="" val="1"/>
+                <adec:decorative xmlns="" xmlns:adec="http://schemas.microsoft.com/office/drawing/2017/decorative" val="1"/>
               </a:ext>
             </a:extLst>
           </p:cNvPr>
@@ -19799,7 +19794,7 @@
                 <a16:creationId xmlns:a16="http://schemas.microsoft.com/office/drawing/2014/main" id="{06EBA5F2-CBC4-5DAB-A7BE-650C68443E84}"/>
               </a:ext>
               <a:ext uri="{C183D7F6-B498-43B3-948B-1728B52AA6E4}">
-                <adec:decorative xmlns:adec="http://schemas.microsoft.com/office/drawing/2017/decorative" xmlns="" val="1"/>
+                <adec:decorative xmlns="" xmlns:adec="http://schemas.microsoft.com/office/drawing/2017/decorative" val="1"/>
               </a:ext>
             </a:extLst>
           </p:cNvPr>
@@ -19848,7 +19843,7 @@
                 <a16:creationId xmlns:a16="http://schemas.microsoft.com/office/drawing/2014/main" id="{3F0B745C-817B-528D-B36C-5CC1B9BDDFF8}"/>
               </a:ext>
               <a:ext uri="{C183D7F6-B498-43B3-948B-1728B52AA6E4}">
-                <adec:decorative xmlns:adec="http://schemas.microsoft.com/office/drawing/2017/decorative" xmlns="" val="1"/>
+                <adec:decorative xmlns="" xmlns:adec="http://schemas.microsoft.com/office/drawing/2017/decorative" val="1"/>
               </a:ext>
             </a:extLst>
           </p:cNvPr>
@@ -20168,7 +20163,7 @@
           <a:blip r:embed="rId3">
             <a:extLst>
               <a:ext uri="{96DAC541-7B7A-43D3-8B79-37D633B846F1}">
-                <asvg:svgBlip xmlns:asvg="http://schemas.microsoft.com/office/drawing/2016/SVG/main" xmlns="" r:embed="rId8"/>
+                <asvg:svgBlip xmlns="" xmlns:asvg="http://schemas.microsoft.com/office/drawing/2016/SVG/main" r:embed="rId8"/>
               </a:ext>
             </a:extLst>
           </a:blip>
@@ -20336,7 +20331,7 @@
           <a:blip r:embed="rId3">
             <a:extLst>
               <a:ext uri="{96DAC541-7B7A-43D3-8B79-37D633B846F1}">
-                <asvg:svgBlip xmlns:asvg="http://schemas.microsoft.com/office/drawing/2016/SVG/main" xmlns="" r:embed="rId4"/>
+                <asvg:svgBlip xmlns="" xmlns:asvg="http://schemas.microsoft.com/office/drawing/2016/SVG/main" r:embed="rId4"/>
               </a:ext>
             </a:extLst>
           </a:blip>
@@ -20403,7 +20398,7 @@
           <a:blip r:embed="rId5">
             <a:extLst>
               <a:ext uri="{96DAC541-7B7A-43D3-8B79-37D633B846F1}">
-                <asvg:svgBlip xmlns:asvg="http://schemas.microsoft.com/office/drawing/2016/SVG/main" xmlns="" r:embed="rId6"/>
+                <asvg:svgBlip xmlns="" xmlns:asvg="http://schemas.microsoft.com/office/drawing/2016/SVG/main" r:embed="rId6"/>
               </a:ext>
             </a:extLst>
           </a:blip>
@@ -20470,7 +20465,7 @@
           <a:blip r:embed="rId7">
             <a:extLst>
               <a:ext uri="{96DAC541-7B7A-43D3-8B79-37D633B846F1}">
-                <asvg:svgBlip xmlns:asvg="http://schemas.microsoft.com/office/drawing/2016/SVG/main" xmlns="" r:embed="rId8"/>
+                <asvg:svgBlip xmlns="" xmlns:asvg="http://schemas.microsoft.com/office/drawing/2016/SVG/main" r:embed="rId8"/>
               </a:ext>
             </a:extLst>
           </a:blip>
@@ -20537,7 +20532,7 @@
           <a:blip r:embed="rId9">
             <a:extLst>
               <a:ext uri="{96DAC541-7B7A-43D3-8B79-37D633B846F1}">
-                <asvg:svgBlip xmlns:asvg="http://schemas.microsoft.com/office/drawing/2016/SVG/main" xmlns="" r:embed="rId10"/>
+                <asvg:svgBlip xmlns="" xmlns:asvg="http://schemas.microsoft.com/office/drawing/2016/SVG/main" r:embed="rId10"/>
               </a:ext>
             </a:extLst>
           </a:blip>
@@ -20674,7 +20669,7 @@
             </a:r>
             <a:r>
               <a:rPr lang="en-US" sz="6000" dirty="0" err="1" smtClean="0"/>
-              <a:t>penru</a:t>
+              <a:t>pentru</a:t>
             </a:r>
             <a:r>
               <a:rPr lang="en-US" sz="6000" dirty="0" smtClean="0"/>
@@ -21540,35 +21535,6 @@
 </file>
 
 <file path=customXml/item1.xml><?xml version="1.0" encoding="utf-8"?>
-<p:properties xmlns:p="http://schemas.microsoft.com/office/2006/metadata/properties" xmlns:xsi="http://www.w3.org/2001/XMLSchema-instance" xmlns:pc="http://schemas.microsoft.com/office/infopath/2007/PartnerControls">
-  <documentManagement>
-    <_ip_UnifiedCompliancePolicyUIAction xmlns="http://schemas.microsoft.com/sharepoint/v3" xsi:nil="true"/>
-    <Image xmlns="71af3243-3dd4-4a8d-8c0d-dd76da1f02a5">
-      <Url xsi:nil="true"/>
-      <Description xsi:nil="true"/>
-    </Image>
-    <Status xmlns="71af3243-3dd4-4a8d-8c0d-dd76da1f02a5">Not started</Status>
-    <Background xmlns="71af3243-3dd4-4a8d-8c0d-dd76da1f02a5">false</Background>
-    <_ip_UnifiedCompliancePolicyProperties xmlns="http://schemas.microsoft.com/sharepoint/v3" xsi:nil="true"/>
-    <ImageTagsTaxHTField xmlns="71af3243-3dd4-4a8d-8c0d-dd76da1f02a5">
-      <Terms xmlns="http://schemas.microsoft.com/office/infopath/2007/PartnerControls"/>
-    </ImageTagsTaxHTField>
-    <TaxCatchAll xmlns="230e9df3-be65-4c73-a93b-d1236ebd677e" xsi:nil="true"/>
-    <MediaServiceKeyPoints xmlns="71af3243-3dd4-4a8d-8c0d-dd76da1f02a5" xsi:nil="true"/>
-  </documentManagement>
-</p:properties>
-</file>
-
-<file path=customXml/item2.xml><?xml version="1.0" encoding="utf-8"?>
-<?mso-contentType ?>
-<FormTemplates xmlns="http://schemas.microsoft.com/sharepoint/v3/contenttype/forms">
-  <Display>DocumentLibraryForm</Display>
-  <Edit>DocumentLibraryForm</Edit>
-  <New>DocumentLibraryForm</New>
-</FormTemplates>
-</file>
-
-<file path=customXml/item3.xml><?xml version="1.0" encoding="utf-8"?>
 <ct:contentTypeSchema xmlns:ct="http://schemas.microsoft.com/office/2006/metadata/contentType" xmlns:ma="http://schemas.microsoft.com/office/2006/metadata/properties/metaAttributes" ct:_="" ma:_="" ma:contentTypeName="Document" ma:contentTypeID="0x01010079F111ED35F8CC479449609E8A0923A6" ma:contentTypeVersion="27" ma:contentTypeDescription="Create a new document." ma:contentTypeScope="" ma:versionID="c6f9a84f66a9c8b9a21755b9ffafb945">
   <xsd:schema xmlns:xsd="http://www.w3.org/2001/XMLSchema" xmlns:xs="http://www.w3.org/2001/XMLSchema" xmlns:p="http://schemas.microsoft.com/office/2006/metadata/properties" xmlns:ns1="http://schemas.microsoft.com/sharepoint/v3" xmlns:ns2="71af3243-3dd4-4a8d-8c0d-dd76da1f02a5" xmlns:ns3="16c05727-aa75-4e4a-9b5f-8a80a1165891" xmlns:ns4="230e9df3-be65-4c73-a93b-d1236ebd677e" targetNamespace="http://schemas.microsoft.com/office/2006/metadata/properties" ma:root="true" ma:fieldsID="27df39e3e7036dff54f89ddd5805ce72" ns1:_="" ns2:_="" ns3:_="" ns4:_="">
     <xsd:import namespace="http://schemas.microsoft.com/sharepoint/v3"/>
@@ -21874,34 +21840,36 @@
 </ct:contentTypeSchema>
 </file>
 
-<file path=customXml/itemProps1.xml><?xml version="1.0" encoding="utf-8"?>
-<ds:datastoreItem xmlns:ds="http://schemas.openxmlformats.org/officeDocument/2006/customXml" ds:itemID="{8D93A374-42E0-42C5-B699-DD5839AA9ACC}">
-  <ds:schemaRefs>
-    <ds:schemaRef ds:uri="http://schemas.microsoft.com/office/2006/documentManagement/types"/>
-    <ds:schemaRef ds:uri="http://schemas.openxmlformats.org/package/2006/metadata/core-properties"/>
-    <ds:schemaRef ds:uri="http://purl.org/dc/terms/"/>
-    <ds:schemaRef ds:uri="http://www.w3.org/XML/1998/namespace"/>
-    <ds:schemaRef ds:uri="http://purl.org/dc/elements/1.1/"/>
-    <ds:schemaRef ds:uri="http://schemas.microsoft.com/office/2006/metadata/properties"/>
-    <ds:schemaRef ds:uri="http://schemas.microsoft.com/sharepoint/v3"/>
-    <ds:schemaRef ds:uri="http://purl.org/dc/dcmitype/"/>
-    <ds:schemaRef ds:uri="http://schemas.microsoft.com/office/infopath/2007/PartnerControls"/>
-    <ds:schemaRef ds:uri="230e9df3-be65-4c73-a93b-d1236ebd677e"/>
-    <ds:schemaRef ds:uri="16c05727-aa75-4e4a-9b5f-8a80a1165891"/>
-    <ds:schemaRef ds:uri="71af3243-3dd4-4a8d-8c0d-dd76da1f02a5"/>
-  </ds:schemaRefs>
-</ds:datastoreItem>
+<file path=customXml/item2.xml><?xml version="1.0" encoding="utf-8"?>
+<?mso-contentType ?>
+<FormTemplates xmlns="http://schemas.microsoft.com/sharepoint/v3/contenttype/forms">
+  <Display>DocumentLibraryForm</Display>
+  <Edit>DocumentLibraryForm</Edit>
+  <New>DocumentLibraryForm</New>
+</FormTemplates>
 </file>
 
-<file path=customXml/itemProps2.xml><?xml version="1.0" encoding="utf-8"?>
-<ds:datastoreItem xmlns:ds="http://schemas.openxmlformats.org/officeDocument/2006/customXml" ds:itemID="{C4D08653-28FD-436D-9BBD-7F5890C46491}">
-  <ds:schemaRefs>
-    <ds:schemaRef ds:uri="http://schemas.microsoft.com/sharepoint/v3/contenttype/forms"/>
-  </ds:schemaRefs>
-</ds:datastoreItem>
+<file path=customXml/item3.xml><?xml version="1.0" encoding="utf-8"?>
+<p:properties xmlns:p="http://schemas.microsoft.com/office/2006/metadata/properties" xmlns:xsi="http://www.w3.org/2001/XMLSchema-instance" xmlns:pc="http://schemas.microsoft.com/office/infopath/2007/PartnerControls">
+  <documentManagement>
+    <_ip_UnifiedCompliancePolicyUIAction xmlns="http://schemas.microsoft.com/sharepoint/v3" xsi:nil="true"/>
+    <Image xmlns="71af3243-3dd4-4a8d-8c0d-dd76da1f02a5">
+      <Url xsi:nil="true"/>
+      <Description xsi:nil="true"/>
+    </Image>
+    <Status xmlns="71af3243-3dd4-4a8d-8c0d-dd76da1f02a5">Not started</Status>
+    <Background xmlns="71af3243-3dd4-4a8d-8c0d-dd76da1f02a5">false</Background>
+    <_ip_UnifiedCompliancePolicyProperties xmlns="http://schemas.microsoft.com/sharepoint/v3" xsi:nil="true"/>
+    <ImageTagsTaxHTField xmlns="71af3243-3dd4-4a8d-8c0d-dd76da1f02a5">
+      <Terms xmlns="http://schemas.microsoft.com/office/infopath/2007/PartnerControls"/>
+    </ImageTagsTaxHTField>
+    <TaxCatchAll xmlns="230e9df3-be65-4c73-a93b-d1236ebd677e" xsi:nil="true"/>
+    <MediaServiceKeyPoints xmlns="71af3243-3dd4-4a8d-8c0d-dd76da1f02a5" xsi:nil="true"/>
+  </documentManagement>
+</p:properties>
 </file>
 
-<file path=customXml/itemProps3.xml><?xml version="1.0" encoding="utf-8"?>
+<file path=customXml/itemProps1.xml><?xml version="1.0" encoding="utf-8"?>
 <ds:datastoreItem xmlns:ds="http://schemas.openxmlformats.org/officeDocument/2006/customXml" ds:itemID="{515CA377-0790-46D4-B5AA-52D758FDC6C8}">
   <ds:schemaRefs>
     <ds:schemaRef ds:uri="http://schemas.microsoft.com/office/2006/metadata/contentType"/>
@@ -21922,6 +21890,33 @@
 </ds:datastoreItem>
 </file>
 
+<file path=customXml/itemProps2.xml><?xml version="1.0" encoding="utf-8"?>
+<ds:datastoreItem xmlns:ds="http://schemas.openxmlformats.org/officeDocument/2006/customXml" ds:itemID="{C4D08653-28FD-436D-9BBD-7F5890C46491}">
+  <ds:schemaRefs>
+    <ds:schemaRef ds:uri="http://schemas.microsoft.com/sharepoint/v3/contenttype/forms"/>
+  </ds:schemaRefs>
+</ds:datastoreItem>
+</file>
+
+<file path=customXml/itemProps3.xml><?xml version="1.0" encoding="utf-8"?>
+<ds:datastoreItem xmlns:ds="http://schemas.openxmlformats.org/officeDocument/2006/customXml" ds:itemID="{8D93A374-42E0-42C5-B699-DD5839AA9ACC}">
+  <ds:schemaRefs>
+    <ds:schemaRef ds:uri="http://purl.org/dc/terms/"/>
+    <ds:schemaRef ds:uri="71af3243-3dd4-4a8d-8c0d-dd76da1f02a5"/>
+    <ds:schemaRef ds:uri="http://schemas.microsoft.com/office/infopath/2007/PartnerControls"/>
+    <ds:schemaRef ds:uri="http://schemas.openxmlformats.org/package/2006/metadata/core-properties"/>
+    <ds:schemaRef ds:uri="http://purl.org/dc/dcmitype/"/>
+    <ds:schemaRef ds:uri="http://purl.org/dc/elements/1.1/"/>
+    <ds:schemaRef ds:uri="230e9df3-be65-4c73-a93b-d1236ebd677e"/>
+    <ds:schemaRef ds:uri="http://schemas.microsoft.com/office/2006/documentManagement/types"/>
+    <ds:schemaRef ds:uri="16c05727-aa75-4e4a-9b5f-8a80a1165891"/>
+    <ds:schemaRef ds:uri="http://schemas.microsoft.com/sharepoint/v3"/>
+    <ds:schemaRef ds:uri="http://schemas.microsoft.com/office/2006/metadata/properties"/>
+    <ds:schemaRef ds:uri="http://www.w3.org/XML/1998/namespace"/>
+  </ds:schemaRefs>
+</ds:datastoreItem>
+</file>
+
 <file path=docMetadata/LabelInfo.xml><?xml version="1.0" encoding="utf-8"?>
 <clbl:labelList xmlns:clbl="http://schemas.microsoft.com/office/2020/mipLabelMetadata"/>
 </file>